--- a/Tank -Taek.pptx
+++ b/Tank -Taek.pptx
@@ -9797,7 +9797,7 @@
         </p:nvSpPr>
         <p:spPr>
           <a:xfrm>
-            <a:off x="1521524" y="5647332"/>
+            <a:off x="1521524" y="5829300"/>
             <a:ext cx="15067609" cy="1451953"/>
           </a:xfrm>
           <a:prstGeom prst="rect">
@@ -9818,7 +9818,7 @@
               <a:buChar char="•"/>
             </a:pPr>
             <a:r>
-              <a:rPr lang="en-US" sz="2970">
+              <a:rPr lang="en-US" sz="2970" dirty="0" err="1">
                 <a:solidFill>
                   <a:srgbClr val="FFFFFF"/>
                 </a:solidFill>
@@ -9827,8 +9827,185 @@
                 <a:cs typeface="Garet"/>
                 <a:sym typeface="Garet"/>
               </a:rPr>
-              <a:t>ความเข้ากันได้: เน้นรันบนระบบ Windows (ใช้คอนโซล Windows) เนื่องจากใช้ &lt;conio.h&gt; การแสดงผลภาษาไทยต้องรองรับ UTF-8 แต่โค้ดทั้งหมดจัดเก็บเป็น UTF-8 เพื่อภาษาไทยที่ถูกต้อง</a:t>
-            </a:r>
+              <a:t>ความเข้ากันได้</a:t>
+            </a:r>
+            <a:r>
+              <a:rPr lang="en-US" sz="2970" dirty="0">
+                <a:solidFill>
+                  <a:srgbClr val="FFFFFF"/>
+                </a:solidFill>
+                <a:latin typeface="Garet"/>
+                <a:ea typeface="Garet"/>
+                <a:cs typeface="Garet"/>
+                <a:sym typeface="Garet"/>
+              </a:rPr>
+              <a:t>: </a:t>
+            </a:r>
+            <a:r>
+              <a:rPr lang="en-US" sz="2970" dirty="0" err="1">
+                <a:solidFill>
+                  <a:srgbClr val="FFFFFF"/>
+                </a:solidFill>
+                <a:latin typeface="Garet"/>
+                <a:ea typeface="Garet"/>
+                <a:cs typeface="Garet"/>
+                <a:sym typeface="Garet"/>
+              </a:rPr>
+              <a:t>เน้นรันบนระบบ</a:t>
+            </a:r>
+            <a:r>
+              <a:rPr lang="en-US" sz="2970" dirty="0">
+                <a:solidFill>
+                  <a:srgbClr val="FFFFFF"/>
+                </a:solidFill>
+                <a:latin typeface="Garet"/>
+                <a:ea typeface="Garet"/>
+                <a:cs typeface="Garet"/>
+                <a:sym typeface="Garet"/>
+              </a:rPr>
+              <a:t> Windows (</a:t>
+            </a:r>
+            <a:r>
+              <a:rPr lang="en-US" sz="2970" dirty="0" err="1">
+                <a:solidFill>
+                  <a:srgbClr val="FFFFFF"/>
+                </a:solidFill>
+                <a:latin typeface="Garet"/>
+                <a:ea typeface="Garet"/>
+                <a:cs typeface="Garet"/>
+                <a:sym typeface="Garet"/>
+              </a:rPr>
+              <a:t>ใช้คอนโซล</a:t>
+            </a:r>
+            <a:r>
+              <a:rPr lang="en-US" sz="2970" dirty="0">
+                <a:solidFill>
+                  <a:srgbClr val="FFFFFF"/>
+                </a:solidFill>
+                <a:latin typeface="Garet"/>
+                <a:ea typeface="Garet"/>
+                <a:cs typeface="Garet"/>
+                <a:sym typeface="Garet"/>
+              </a:rPr>
+              <a:t> Windows) </a:t>
+            </a:r>
+            <a:r>
+              <a:rPr lang="en-US" sz="2970" dirty="0" err="1">
+                <a:solidFill>
+                  <a:srgbClr val="FFFFFF"/>
+                </a:solidFill>
+                <a:latin typeface="Garet"/>
+                <a:ea typeface="Garet"/>
+                <a:cs typeface="Garet"/>
+                <a:sym typeface="Garet"/>
+              </a:rPr>
+              <a:t>เนื่องจากใช้</a:t>
+            </a:r>
+            <a:r>
+              <a:rPr lang="en-US" sz="2970" dirty="0">
+                <a:solidFill>
+                  <a:srgbClr val="FFFFFF"/>
+                </a:solidFill>
+                <a:latin typeface="Garet"/>
+                <a:ea typeface="Garet"/>
+                <a:cs typeface="Garet"/>
+                <a:sym typeface="Garet"/>
+              </a:rPr>
+              <a:t> &lt;</a:t>
+            </a:r>
+            <a:r>
+              <a:rPr lang="en-US" sz="2970" dirty="0" err="1">
+                <a:solidFill>
+                  <a:srgbClr val="FFFFFF"/>
+                </a:solidFill>
+                <a:latin typeface="Garet"/>
+                <a:ea typeface="Garet"/>
+                <a:cs typeface="Garet"/>
+                <a:sym typeface="Garet"/>
+              </a:rPr>
+              <a:t>conio.h</a:t>
+            </a:r>
+            <a:r>
+              <a:rPr lang="en-US" sz="2970" dirty="0">
+                <a:solidFill>
+                  <a:srgbClr val="FFFFFF"/>
+                </a:solidFill>
+                <a:latin typeface="Garet"/>
+                <a:ea typeface="Garet"/>
+                <a:cs typeface="Garet"/>
+                <a:sym typeface="Garet"/>
+              </a:rPr>
+              <a:t>&gt; </a:t>
+            </a:r>
+            <a:r>
+              <a:rPr lang="en-US" sz="2970" dirty="0" err="1">
+                <a:solidFill>
+                  <a:srgbClr val="FFFFFF"/>
+                </a:solidFill>
+                <a:latin typeface="Garet"/>
+                <a:ea typeface="Garet"/>
+                <a:cs typeface="Garet"/>
+                <a:sym typeface="Garet"/>
+              </a:rPr>
+              <a:t>การแสดงผลภาษาไทยต้องรองรับ</a:t>
+            </a:r>
+            <a:r>
+              <a:rPr lang="en-US" sz="2970" dirty="0">
+                <a:solidFill>
+                  <a:srgbClr val="FFFFFF"/>
+                </a:solidFill>
+                <a:latin typeface="Garet"/>
+                <a:ea typeface="Garet"/>
+                <a:cs typeface="Garet"/>
+                <a:sym typeface="Garet"/>
+              </a:rPr>
+              <a:t> UTF-8 </a:t>
+            </a:r>
+            <a:r>
+              <a:rPr lang="en-US" sz="2970" dirty="0" err="1">
+                <a:solidFill>
+                  <a:srgbClr val="FFFFFF"/>
+                </a:solidFill>
+                <a:latin typeface="Garet"/>
+                <a:ea typeface="Garet"/>
+                <a:cs typeface="Garet"/>
+                <a:sym typeface="Garet"/>
+              </a:rPr>
+              <a:t>แต่โค้ดทั้งหมดจัดเก็บเป็น</a:t>
+            </a:r>
+            <a:r>
+              <a:rPr lang="en-US" sz="2970" dirty="0">
+                <a:solidFill>
+                  <a:srgbClr val="FFFFFF"/>
+                </a:solidFill>
+                <a:latin typeface="Garet"/>
+                <a:ea typeface="Garet"/>
+                <a:cs typeface="Garet"/>
+                <a:sym typeface="Garet"/>
+              </a:rPr>
+              <a:t> UTF-8 </a:t>
+            </a:r>
+            <a:r>
+              <a:rPr lang="en-US" sz="2970" dirty="0" err="1">
+                <a:solidFill>
+                  <a:srgbClr val="FFFFFF"/>
+                </a:solidFill>
+                <a:latin typeface="Garet"/>
+                <a:ea typeface="Garet"/>
+                <a:cs typeface="Garet"/>
+                <a:sym typeface="Garet"/>
+              </a:rPr>
+              <a:t>เพื่อภาษาไทยที่ถูกต้อง</a:t>
+            </a:r>
+            <a:endParaRPr lang="en-US" sz="2970" dirty="0">
+              <a:solidFill>
+                <a:srgbClr val="FFFFFF"/>
+              </a:solidFill>
+              <a:latin typeface="Garet"/>
+              <a:ea typeface="Garet"/>
+              <a:cs typeface="Garet"/>
+              <a:sym typeface="Garet"/>
+            </a:endParaRPr>
           </a:p>
         </p:txBody>
       </p:sp>
@@ -11190,25 +11367,25 @@
         <p:spPr>
           <a:xfrm>
             <a:off x="1521524" y="1161983"/>
-            <a:ext cx="8185098" cy="909955"/>
+            <a:ext cx="11965876" cy="1817101"/>
           </a:xfrm>
           <a:prstGeom prst="rect">
             <a:avLst/>
           </a:prstGeom>
         </p:spPr>
         <p:txBody>
-          <a:bodyPr lIns="0" tIns="0" rIns="0" bIns="0" rtlCol="0" anchor="t">
+          <a:bodyPr wrap="square" lIns="0" tIns="0" rIns="0" bIns="0" rtlCol="0" anchor="t">
             <a:spAutoFit/>
           </a:bodyPr>
           <a:lstStyle/>
           <a:p>
-            <a:pPr algn="l">
+            <a:pPr>
               <a:lnSpc>
                 <a:spcPts val="7039"/>
               </a:lnSpc>
             </a:pPr>
             <a:r>
-              <a:rPr lang="en-US" sz="6399">
+              <a:rPr lang="en-US" sz="6399" dirty="0">
                 <a:solidFill>
                   <a:srgbClr val="FFFFFF"/>
                 </a:solidFill>
@@ -11217,8 +11394,24 @@
                 <a:cs typeface="Black Ops One"/>
                 <a:sym typeface="Black Ops One"/>
               </a:rPr>
-              <a:t>SOURCE CODE</a:t>
-            </a:r>
+              <a:t>SOURCE CODE (CLASS)</a:t>
+            </a:r>
+          </a:p>
+          <a:p>
+            <a:pPr algn="l">
+              <a:lnSpc>
+                <a:spcPts val="7039"/>
+              </a:lnSpc>
+            </a:pPr>
+            <a:endParaRPr lang="en-US" sz="6399" dirty="0">
+              <a:solidFill>
+                <a:srgbClr val="FFFFFF"/>
+              </a:solidFill>
+              <a:latin typeface="Black Ops One"/>
+              <a:ea typeface="Black Ops One"/>
+              <a:cs typeface="Black Ops One"/>
+              <a:sym typeface="Black Ops One"/>
+            </a:endParaRPr>
           </a:p>
         </p:txBody>
       </p:sp>
@@ -11290,7 +11483,7 @@
               </a:lnSpc>
             </a:pPr>
             <a:r>
-              <a:rPr lang="en-US" sz="2799">
+              <a:rPr lang="en-US" sz="2799" dirty="0">
                 <a:solidFill>
                   <a:srgbClr val="FFFFFF"/>
                 </a:solidFill>
@@ -11978,7 +12171,7 @@
               </a:lnSpc>
             </a:pPr>
             <a:r>
-              <a:rPr lang="en-US" sz="6399">
+              <a:rPr lang="en-US" sz="6399" dirty="0">
                 <a:solidFill>
                   <a:srgbClr val="FFFFFF"/>
                 </a:solidFill>
@@ -11996,7 +12189,7 @@
                 <a:spcPts val="7039"/>
               </a:lnSpc>
             </a:pPr>
-            <a:endParaRPr lang="en-US" sz="6399">
+            <a:endParaRPr lang="en-US" sz="6399" dirty="0">
               <a:solidFill>
                 <a:srgbClr val="FFFFFF"/>
               </a:solidFill>
